--- a/ИТ.2.pptx
+++ b/ИТ.2.pptx
@@ -118,7 +118,7 @@
   </p:defaultTextStyle>
   <p:extLst>
     <p:ext uri="{EFAFB233-063F-42B5-8137-9DF3F51BA10A}">
-      <p15:sldGuideLst xmlns:p15="http://schemas.microsoft.com/office/powerpoint/2012/main" xmlns=""/>
+      <p15:sldGuideLst xmlns="" xmlns:p15="http://schemas.microsoft.com/office/powerpoint/2012/main"/>
     </p:ext>
   </p:extLst>
 </p:presentation>
@@ -146,7 +146,7 @@
           <p:cNvPr id="2" name="Заголовок 1">
             <a:extLst>
               <a:ext uri="{FF2B5EF4-FFF2-40B4-BE49-F238E27FC236}">
-                <a16:creationId xmlns:a16="http://schemas.microsoft.com/office/drawing/2014/main" xmlns="" id="{66034FEE-FA9F-4945-8183-6F70997A7979}"/>
+                <a16:creationId xmlns="" xmlns:a16="http://schemas.microsoft.com/office/drawing/2014/main" id="{66034FEE-FA9F-4945-8183-6F70997A7979}"/>
               </a:ext>
             </a:extLst>
           </p:cNvPr>
@@ -183,7 +183,7 @@
           <p:cNvPr id="3" name="Подзаголовок 2">
             <a:extLst>
               <a:ext uri="{FF2B5EF4-FFF2-40B4-BE49-F238E27FC236}">
-                <a16:creationId xmlns:a16="http://schemas.microsoft.com/office/drawing/2014/main" xmlns="" id="{6BB08369-D6F4-4034-8B81-B94155DD505F}"/>
+                <a16:creationId xmlns="" xmlns:a16="http://schemas.microsoft.com/office/drawing/2014/main" id="{6BB08369-D6F4-4034-8B81-B94155DD505F}"/>
               </a:ext>
             </a:extLst>
           </p:cNvPr>
@@ -253,7 +253,7 @@
           <p:cNvPr id="4" name="Дата 3">
             <a:extLst>
               <a:ext uri="{FF2B5EF4-FFF2-40B4-BE49-F238E27FC236}">
-                <a16:creationId xmlns:a16="http://schemas.microsoft.com/office/drawing/2014/main" xmlns="" id="{86E179EB-0B04-4854-8459-3752F45F6F9A}"/>
+                <a16:creationId xmlns="" xmlns:a16="http://schemas.microsoft.com/office/drawing/2014/main" id="{86E179EB-0B04-4854-8459-3752F45F6F9A}"/>
               </a:ext>
             </a:extLst>
           </p:cNvPr>
@@ -282,7 +282,7 @@
           <p:cNvPr id="5" name="Нижний колонтитул 4">
             <a:extLst>
               <a:ext uri="{FF2B5EF4-FFF2-40B4-BE49-F238E27FC236}">
-                <a16:creationId xmlns:a16="http://schemas.microsoft.com/office/drawing/2014/main" xmlns="" id="{E96EADB9-ADEF-47D0-A194-559CBE5EC904}"/>
+                <a16:creationId xmlns="" xmlns:a16="http://schemas.microsoft.com/office/drawing/2014/main" id="{E96EADB9-ADEF-47D0-A194-559CBE5EC904}"/>
               </a:ext>
             </a:extLst>
           </p:cNvPr>
@@ -307,7 +307,7 @@
           <p:cNvPr id="6" name="Номер слайда 5">
             <a:extLst>
               <a:ext uri="{FF2B5EF4-FFF2-40B4-BE49-F238E27FC236}">
-                <a16:creationId xmlns:a16="http://schemas.microsoft.com/office/drawing/2014/main" xmlns="" id="{F8530EDA-2636-409B-8A94-636FCCE2C6A5}"/>
+                <a16:creationId xmlns="" xmlns:a16="http://schemas.microsoft.com/office/drawing/2014/main" id="{F8530EDA-2636-409B-8A94-636FCCE2C6A5}"/>
               </a:ext>
             </a:extLst>
           </p:cNvPr>
@@ -366,7 +366,7 @@
           <p:cNvPr id="2" name="Заголовок 1">
             <a:extLst>
               <a:ext uri="{FF2B5EF4-FFF2-40B4-BE49-F238E27FC236}">
-                <a16:creationId xmlns:a16="http://schemas.microsoft.com/office/drawing/2014/main" xmlns="" id="{26E74E94-1173-46C7-88C9-B96279B3B25E}"/>
+                <a16:creationId xmlns="" xmlns:a16="http://schemas.microsoft.com/office/drawing/2014/main" id="{26E74E94-1173-46C7-88C9-B96279B3B25E}"/>
               </a:ext>
             </a:extLst>
           </p:cNvPr>
@@ -394,7 +394,7 @@
           <p:cNvPr id="3" name="Вертикальный текст 2">
             <a:extLst>
               <a:ext uri="{FF2B5EF4-FFF2-40B4-BE49-F238E27FC236}">
-                <a16:creationId xmlns:a16="http://schemas.microsoft.com/office/drawing/2014/main" xmlns="" id="{14E93021-BAF0-4E45-9826-2657F0082250}"/>
+                <a16:creationId xmlns="" xmlns:a16="http://schemas.microsoft.com/office/drawing/2014/main" id="{14E93021-BAF0-4E45-9826-2657F0082250}"/>
               </a:ext>
             </a:extLst>
           </p:cNvPr>
@@ -451,7 +451,7 @@
           <p:cNvPr id="4" name="Дата 3">
             <a:extLst>
               <a:ext uri="{FF2B5EF4-FFF2-40B4-BE49-F238E27FC236}">
-                <a16:creationId xmlns:a16="http://schemas.microsoft.com/office/drawing/2014/main" xmlns="" id="{7880C68F-4E9A-47FB-BE00-6E2C20A4D1E8}"/>
+                <a16:creationId xmlns="" xmlns:a16="http://schemas.microsoft.com/office/drawing/2014/main" id="{7880C68F-4E9A-47FB-BE00-6E2C20A4D1E8}"/>
               </a:ext>
             </a:extLst>
           </p:cNvPr>
@@ -480,7 +480,7 @@
           <p:cNvPr id="5" name="Нижний колонтитул 4">
             <a:extLst>
               <a:ext uri="{FF2B5EF4-FFF2-40B4-BE49-F238E27FC236}">
-                <a16:creationId xmlns:a16="http://schemas.microsoft.com/office/drawing/2014/main" xmlns="" id="{7DE48CF2-87FE-4731-8583-430B1609D3C3}"/>
+                <a16:creationId xmlns="" xmlns:a16="http://schemas.microsoft.com/office/drawing/2014/main" id="{7DE48CF2-87FE-4731-8583-430B1609D3C3}"/>
               </a:ext>
             </a:extLst>
           </p:cNvPr>
@@ -505,7 +505,7 @@
           <p:cNvPr id="6" name="Номер слайда 5">
             <a:extLst>
               <a:ext uri="{FF2B5EF4-FFF2-40B4-BE49-F238E27FC236}">
-                <a16:creationId xmlns:a16="http://schemas.microsoft.com/office/drawing/2014/main" xmlns="" id="{DD916683-451E-42F8-9A88-7A012059059E}"/>
+                <a16:creationId xmlns="" xmlns:a16="http://schemas.microsoft.com/office/drawing/2014/main" id="{DD916683-451E-42F8-9A88-7A012059059E}"/>
               </a:ext>
             </a:extLst>
           </p:cNvPr>
@@ -564,7 +564,7 @@
           <p:cNvPr id="2" name="Вертикальный заголовок 1">
             <a:extLst>
               <a:ext uri="{FF2B5EF4-FFF2-40B4-BE49-F238E27FC236}">
-                <a16:creationId xmlns:a16="http://schemas.microsoft.com/office/drawing/2014/main" xmlns="" id="{BC00ABD3-830A-48F3-B76F-FE18845F0E47}"/>
+                <a16:creationId xmlns="" xmlns:a16="http://schemas.microsoft.com/office/drawing/2014/main" id="{BC00ABD3-830A-48F3-B76F-FE18845F0E47}"/>
               </a:ext>
             </a:extLst>
           </p:cNvPr>
@@ -597,7 +597,7 @@
           <p:cNvPr id="3" name="Вертикальный текст 2">
             <a:extLst>
               <a:ext uri="{FF2B5EF4-FFF2-40B4-BE49-F238E27FC236}">
-                <a16:creationId xmlns:a16="http://schemas.microsoft.com/office/drawing/2014/main" xmlns="" id="{6C93A146-9C83-454D-A47D-20F80A76DE9F}"/>
+                <a16:creationId xmlns="" xmlns:a16="http://schemas.microsoft.com/office/drawing/2014/main" id="{6C93A146-9C83-454D-A47D-20F80A76DE9F}"/>
               </a:ext>
             </a:extLst>
           </p:cNvPr>
@@ -659,7 +659,7 @@
           <p:cNvPr id="4" name="Дата 3">
             <a:extLst>
               <a:ext uri="{FF2B5EF4-FFF2-40B4-BE49-F238E27FC236}">
-                <a16:creationId xmlns:a16="http://schemas.microsoft.com/office/drawing/2014/main" xmlns="" id="{BF9EC3CE-1413-4555-8A89-0FC9296B019D}"/>
+                <a16:creationId xmlns="" xmlns:a16="http://schemas.microsoft.com/office/drawing/2014/main" id="{BF9EC3CE-1413-4555-8A89-0FC9296B019D}"/>
               </a:ext>
             </a:extLst>
           </p:cNvPr>
@@ -688,7 +688,7 @@
           <p:cNvPr id="5" name="Нижний колонтитул 4">
             <a:extLst>
               <a:ext uri="{FF2B5EF4-FFF2-40B4-BE49-F238E27FC236}">
-                <a16:creationId xmlns:a16="http://schemas.microsoft.com/office/drawing/2014/main" xmlns="" id="{0C64CD55-3954-4CB5-8E37-A658ABD19865}"/>
+                <a16:creationId xmlns="" xmlns:a16="http://schemas.microsoft.com/office/drawing/2014/main" id="{0C64CD55-3954-4CB5-8E37-A658ABD19865}"/>
               </a:ext>
             </a:extLst>
           </p:cNvPr>
@@ -713,7 +713,7 @@
           <p:cNvPr id="6" name="Номер слайда 5">
             <a:extLst>
               <a:ext uri="{FF2B5EF4-FFF2-40B4-BE49-F238E27FC236}">
-                <a16:creationId xmlns:a16="http://schemas.microsoft.com/office/drawing/2014/main" xmlns="" id="{13B637F2-6946-42B8-9AC7-E7335C7C55C9}"/>
+                <a16:creationId xmlns="" xmlns:a16="http://schemas.microsoft.com/office/drawing/2014/main" id="{13B637F2-6946-42B8-9AC7-E7335C7C55C9}"/>
               </a:ext>
             </a:extLst>
           </p:cNvPr>
@@ -772,7 +772,7 @@
           <p:cNvPr id="2" name="Заголовок 1">
             <a:extLst>
               <a:ext uri="{FF2B5EF4-FFF2-40B4-BE49-F238E27FC236}">
-                <a16:creationId xmlns:a16="http://schemas.microsoft.com/office/drawing/2014/main" xmlns="" id="{513332A1-7493-4D0D-AED5-46E6B8B62F25}"/>
+                <a16:creationId xmlns="" xmlns:a16="http://schemas.microsoft.com/office/drawing/2014/main" id="{513332A1-7493-4D0D-AED5-46E6B8B62F25}"/>
               </a:ext>
             </a:extLst>
           </p:cNvPr>
@@ -800,7 +800,7 @@
           <p:cNvPr id="3" name="Объект 2">
             <a:extLst>
               <a:ext uri="{FF2B5EF4-FFF2-40B4-BE49-F238E27FC236}">
-                <a16:creationId xmlns:a16="http://schemas.microsoft.com/office/drawing/2014/main" xmlns="" id="{D9498300-1986-4505-880C-49E446EB2B92}"/>
+                <a16:creationId xmlns="" xmlns:a16="http://schemas.microsoft.com/office/drawing/2014/main" id="{D9498300-1986-4505-880C-49E446EB2B92}"/>
               </a:ext>
             </a:extLst>
           </p:cNvPr>
@@ -857,7 +857,7 @@
           <p:cNvPr id="4" name="Дата 3">
             <a:extLst>
               <a:ext uri="{FF2B5EF4-FFF2-40B4-BE49-F238E27FC236}">
-                <a16:creationId xmlns:a16="http://schemas.microsoft.com/office/drawing/2014/main" xmlns="" id="{9EF1D7F1-53B9-4AB0-9289-E61AC34CA824}"/>
+                <a16:creationId xmlns="" xmlns:a16="http://schemas.microsoft.com/office/drawing/2014/main" id="{9EF1D7F1-53B9-4AB0-9289-E61AC34CA824}"/>
               </a:ext>
             </a:extLst>
           </p:cNvPr>
@@ -886,7 +886,7 @@
           <p:cNvPr id="5" name="Нижний колонтитул 4">
             <a:extLst>
               <a:ext uri="{FF2B5EF4-FFF2-40B4-BE49-F238E27FC236}">
-                <a16:creationId xmlns:a16="http://schemas.microsoft.com/office/drawing/2014/main" xmlns="" id="{579E23F1-2CD4-4DF2-AFEB-1D9B7ADA18AB}"/>
+                <a16:creationId xmlns="" xmlns:a16="http://schemas.microsoft.com/office/drawing/2014/main" id="{579E23F1-2CD4-4DF2-AFEB-1D9B7ADA18AB}"/>
               </a:ext>
             </a:extLst>
           </p:cNvPr>
@@ -911,7 +911,7 @@
           <p:cNvPr id="6" name="Номер слайда 5">
             <a:extLst>
               <a:ext uri="{FF2B5EF4-FFF2-40B4-BE49-F238E27FC236}">
-                <a16:creationId xmlns:a16="http://schemas.microsoft.com/office/drawing/2014/main" xmlns="" id="{88490A04-0FD8-42BD-9A72-2525B3FCCDE5}"/>
+                <a16:creationId xmlns="" xmlns:a16="http://schemas.microsoft.com/office/drawing/2014/main" id="{88490A04-0FD8-42BD-9A72-2525B3FCCDE5}"/>
               </a:ext>
             </a:extLst>
           </p:cNvPr>
@@ -970,7 +970,7 @@
           <p:cNvPr id="2" name="Заголовок 1">
             <a:extLst>
               <a:ext uri="{FF2B5EF4-FFF2-40B4-BE49-F238E27FC236}">
-                <a16:creationId xmlns:a16="http://schemas.microsoft.com/office/drawing/2014/main" xmlns="" id="{8ED72AD8-5296-41AC-B6F7-3D0F0388C94A}"/>
+                <a16:creationId xmlns="" xmlns:a16="http://schemas.microsoft.com/office/drawing/2014/main" id="{8ED72AD8-5296-41AC-B6F7-3D0F0388C94A}"/>
               </a:ext>
             </a:extLst>
           </p:cNvPr>
@@ -1007,7 +1007,7 @@
           <p:cNvPr id="3" name="Текст 2">
             <a:extLst>
               <a:ext uri="{FF2B5EF4-FFF2-40B4-BE49-F238E27FC236}">
-                <a16:creationId xmlns:a16="http://schemas.microsoft.com/office/drawing/2014/main" xmlns="" id="{048FB25A-16CB-4AD4-A0F4-CD35C34D3C55}"/>
+                <a16:creationId xmlns="" xmlns:a16="http://schemas.microsoft.com/office/drawing/2014/main" id="{048FB25A-16CB-4AD4-A0F4-CD35C34D3C55}"/>
               </a:ext>
             </a:extLst>
           </p:cNvPr>
@@ -1132,7 +1132,7 @@
           <p:cNvPr id="4" name="Дата 3">
             <a:extLst>
               <a:ext uri="{FF2B5EF4-FFF2-40B4-BE49-F238E27FC236}">
-                <a16:creationId xmlns:a16="http://schemas.microsoft.com/office/drawing/2014/main" xmlns="" id="{F11ED04A-99BD-4882-862A-41235CBEAEC5}"/>
+                <a16:creationId xmlns="" xmlns:a16="http://schemas.microsoft.com/office/drawing/2014/main" id="{F11ED04A-99BD-4882-862A-41235CBEAEC5}"/>
               </a:ext>
             </a:extLst>
           </p:cNvPr>
@@ -1161,7 +1161,7 @@
           <p:cNvPr id="5" name="Нижний колонтитул 4">
             <a:extLst>
               <a:ext uri="{FF2B5EF4-FFF2-40B4-BE49-F238E27FC236}">
-                <a16:creationId xmlns:a16="http://schemas.microsoft.com/office/drawing/2014/main" xmlns="" id="{320381DD-D717-41BB-A4E7-EBD6052303E5}"/>
+                <a16:creationId xmlns="" xmlns:a16="http://schemas.microsoft.com/office/drawing/2014/main" id="{320381DD-D717-41BB-A4E7-EBD6052303E5}"/>
               </a:ext>
             </a:extLst>
           </p:cNvPr>
@@ -1186,7 +1186,7 @@
           <p:cNvPr id="6" name="Номер слайда 5">
             <a:extLst>
               <a:ext uri="{FF2B5EF4-FFF2-40B4-BE49-F238E27FC236}">
-                <a16:creationId xmlns:a16="http://schemas.microsoft.com/office/drawing/2014/main" xmlns="" id="{2C54CEEC-4F58-4176-9E50-7B895E3584BC}"/>
+                <a16:creationId xmlns="" xmlns:a16="http://schemas.microsoft.com/office/drawing/2014/main" id="{2C54CEEC-4F58-4176-9E50-7B895E3584BC}"/>
               </a:ext>
             </a:extLst>
           </p:cNvPr>
@@ -1245,7 +1245,7 @@
           <p:cNvPr id="2" name="Заголовок 1">
             <a:extLst>
               <a:ext uri="{FF2B5EF4-FFF2-40B4-BE49-F238E27FC236}">
-                <a16:creationId xmlns:a16="http://schemas.microsoft.com/office/drawing/2014/main" xmlns="" id="{18C8BFCE-8E65-417F-932F-CD2D6594D9A8}"/>
+                <a16:creationId xmlns="" xmlns:a16="http://schemas.microsoft.com/office/drawing/2014/main" id="{18C8BFCE-8E65-417F-932F-CD2D6594D9A8}"/>
               </a:ext>
             </a:extLst>
           </p:cNvPr>
@@ -1273,7 +1273,7 @@
           <p:cNvPr id="3" name="Объект 2">
             <a:extLst>
               <a:ext uri="{FF2B5EF4-FFF2-40B4-BE49-F238E27FC236}">
-                <a16:creationId xmlns:a16="http://schemas.microsoft.com/office/drawing/2014/main" xmlns="" id="{46B05283-57A1-43EB-96C6-60A961A74C3F}"/>
+                <a16:creationId xmlns="" xmlns:a16="http://schemas.microsoft.com/office/drawing/2014/main" id="{46B05283-57A1-43EB-96C6-60A961A74C3F}"/>
               </a:ext>
             </a:extLst>
           </p:cNvPr>
@@ -1335,7 +1335,7 @@
           <p:cNvPr id="4" name="Объект 3">
             <a:extLst>
               <a:ext uri="{FF2B5EF4-FFF2-40B4-BE49-F238E27FC236}">
-                <a16:creationId xmlns:a16="http://schemas.microsoft.com/office/drawing/2014/main" xmlns="" id="{E72E40F0-C065-414E-A2FF-32F2869BA380}"/>
+                <a16:creationId xmlns="" xmlns:a16="http://schemas.microsoft.com/office/drawing/2014/main" id="{E72E40F0-C065-414E-A2FF-32F2869BA380}"/>
               </a:ext>
             </a:extLst>
           </p:cNvPr>
@@ -1397,7 +1397,7 @@
           <p:cNvPr id="5" name="Дата 4">
             <a:extLst>
               <a:ext uri="{FF2B5EF4-FFF2-40B4-BE49-F238E27FC236}">
-                <a16:creationId xmlns:a16="http://schemas.microsoft.com/office/drawing/2014/main" xmlns="" id="{F7A7FAA6-7C99-4F2E-A489-128ACDD5433B}"/>
+                <a16:creationId xmlns="" xmlns:a16="http://schemas.microsoft.com/office/drawing/2014/main" id="{F7A7FAA6-7C99-4F2E-A489-128ACDD5433B}"/>
               </a:ext>
             </a:extLst>
           </p:cNvPr>
@@ -1426,7 +1426,7 @@
           <p:cNvPr id="6" name="Нижний колонтитул 5">
             <a:extLst>
               <a:ext uri="{FF2B5EF4-FFF2-40B4-BE49-F238E27FC236}">
-                <a16:creationId xmlns:a16="http://schemas.microsoft.com/office/drawing/2014/main" xmlns="" id="{49545604-9254-48E3-AE8C-B8388E27CF74}"/>
+                <a16:creationId xmlns="" xmlns:a16="http://schemas.microsoft.com/office/drawing/2014/main" id="{49545604-9254-48E3-AE8C-B8388E27CF74}"/>
               </a:ext>
             </a:extLst>
           </p:cNvPr>
@@ -1451,7 +1451,7 @@
           <p:cNvPr id="7" name="Номер слайда 6">
             <a:extLst>
               <a:ext uri="{FF2B5EF4-FFF2-40B4-BE49-F238E27FC236}">
-                <a16:creationId xmlns:a16="http://schemas.microsoft.com/office/drawing/2014/main" xmlns="" id="{73F1F0E7-C4B1-44C1-AEC6-97892EEBB97A}"/>
+                <a16:creationId xmlns="" xmlns:a16="http://schemas.microsoft.com/office/drawing/2014/main" id="{73F1F0E7-C4B1-44C1-AEC6-97892EEBB97A}"/>
               </a:ext>
             </a:extLst>
           </p:cNvPr>
@@ -1510,7 +1510,7 @@
           <p:cNvPr id="2" name="Заголовок 1">
             <a:extLst>
               <a:ext uri="{FF2B5EF4-FFF2-40B4-BE49-F238E27FC236}">
-                <a16:creationId xmlns:a16="http://schemas.microsoft.com/office/drawing/2014/main" xmlns="" id="{44A1BCD4-FA18-4551-905E-D3959FFC440B}"/>
+                <a16:creationId xmlns="" xmlns:a16="http://schemas.microsoft.com/office/drawing/2014/main" id="{44A1BCD4-FA18-4551-905E-D3959FFC440B}"/>
               </a:ext>
             </a:extLst>
           </p:cNvPr>
@@ -1543,7 +1543,7 @@
           <p:cNvPr id="3" name="Текст 2">
             <a:extLst>
               <a:ext uri="{FF2B5EF4-FFF2-40B4-BE49-F238E27FC236}">
-                <a16:creationId xmlns:a16="http://schemas.microsoft.com/office/drawing/2014/main" xmlns="" id="{1533CD15-1314-429F-A722-85696B0EB159}"/>
+                <a16:creationId xmlns="" xmlns:a16="http://schemas.microsoft.com/office/drawing/2014/main" id="{1533CD15-1314-429F-A722-85696B0EB159}"/>
               </a:ext>
             </a:extLst>
           </p:cNvPr>
@@ -1614,7 +1614,7 @@
           <p:cNvPr id="4" name="Объект 3">
             <a:extLst>
               <a:ext uri="{FF2B5EF4-FFF2-40B4-BE49-F238E27FC236}">
-                <a16:creationId xmlns:a16="http://schemas.microsoft.com/office/drawing/2014/main" xmlns="" id="{6C9EF3EF-52E2-4E76-B0F8-619A9B6C8100}"/>
+                <a16:creationId xmlns="" xmlns:a16="http://schemas.microsoft.com/office/drawing/2014/main" id="{6C9EF3EF-52E2-4E76-B0F8-619A9B6C8100}"/>
               </a:ext>
             </a:extLst>
           </p:cNvPr>
@@ -1676,7 +1676,7 @@
           <p:cNvPr id="5" name="Текст 4">
             <a:extLst>
               <a:ext uri="{FF2B5EF4-FFF2-40B4-BE49-F238E27FC236}">
-                <a16:creationId xmlns:a16="http://schemas.microsoft.com/office/drawing/2014/main" xmlns="" id="{7A76F9BB-3394-4F26-830F-B2661928E4ED}"/>
+                <a16:creationId xmlns="" xmlns:a16="http://schemas.microsoft.com/office/drawing/2014/main" id="{7A76F9BB-3394-4F26-830F-B2661928E4ED}"/>
               </a:ext>
             </a:extLst>
           </p:cNvPr>
@@ -1747,7 +1747,7 @@
           <p:cNvPr id="6" name="Объект 5">
             <a:extLst>
               <a:ext uri="{FF2B5EF4-FFF2-40B4-BE49-F238E27FC236}">
-                <a16:creationId xmlns:a16="http://schemas.microsoft.com/office/drawing/2014/main" xmlns="" id="{B9046708-A1E8-40BD-B464-5FF5B1BA43C9}"/>
+                <a16:creationId xmlns="" xmlns:a16="http://schemas.microsoft.com/office/drawing/2014/main" id="{B9046708-A1E8-40BD-B464-5FF5B1BA43C9}"/>
               </a:ext>
             </a:extLst>
           </p:cNvPr>
@@ -1809,7 +1809,7 @@
           <p:cNvPr id="7" name="Дата 6">
             <a:extLst>
               <a:ext uri="{FF2B5EF4-FFF2-40B4-BE49-F238E27FC236}">
-                <a16:creationId xmlns:a16="http://schemas.microsoft.com/office/drawing/2014/main" xmlns="" id="{687A146C-46F9-4D98-85FA-96961CD31C3D}"/>
+                <a16:creationId xmlns="" xmlns:a16="http://schemas.microsoft.com/office/drawing/2014/main" id="{687A146C-46F9-4D98-85FA-96961CD31C3D}"/>
               </a:ext>
             </a:extLst>
           </p:cNvPr>
@@ -1838,7 +1838,7 @@
           <p:cNvPr id="8" name="Нижний колонтитул 7">
             <a:extLst>
               <a:ext uri="{FF2B5EF4-FFF2-40B4-BE49-F238E27FC236}">
-                <a16:creationId xmlns:a16="http://schemas.microsoft.com/office/drawing/2014/main" xmlns="" id="{65CEFFD1-0529-4DC1-A4E6-704F1E196BCF}"/>
+                <a16:creationId xmlns="" xmlns:a16="http://schemas.microsoft.com/office/drawing/2014/main" id="{65CEFFD1-0529-4DC1-A4E6-704F1E196BCF}"/>
               </a:ext>
             </a:extLst>
           </p:cNvPr>
@@ -1863,7 +1863,7 @@
           <p:cNvPr id="9" name="Номер слайда 8">
             <a:extLst>
               <a:ext uri="{FF2B5EF4-FFF2-40B4-BE49-F238E27FC236}">
-                <a16:creationId xmlns:a16="http://schemas.microsoft.com/office/drawing/2014/main" xmlns="" id="{7E6AE936-6540-49A2-868A-41415E93E024}"/>
+                <a16:creationId xmlns="" xmlns:a16="http://schemas.microsoft.com/office/drawing/2014/main" id="{7E6AE936-6540-49A2-868A-41415E93E024}"/>
               </a:ext>
             </a:extLst>
           </p:cNvPr>
@@ -1922,7 +1922,7 @@
           <p:cNvPr id="2" name="Заголовок 1">
             <a:extLst>
               <a:ext uri="{FF2B5EF4-FFF2-40B4-BE49-F238E27FC236}">
-                <a16:creationId xmlns:a16="http://schemas.microsoft.com/office/drawing/2014/main" xmlns="" id="{3450AE05-4BEF-4BAC-B128-CC5453770506}"/>
+                <a16:creationId xmlns="" xmlns:a16="http://schemas.microsoft.com/office/drawing/2014/main" id="{3450AE05-4BEF-4BAC-B128-CC5453770506}"/>
               </a:ext>
             </a:extLst>
           </p:cNvPr>
@@ -1950,7 +1950,7 @@
           <p:cNvPr id="3" name="Дата 2">
             <a:extLst>
               <a:ext uri="{FF2B5EF4-FFF2-40B4-BE49-F238E27FC236}">
-                <a16:creationId xmlns:a16="http://schemas.microsoft.com/office/drawing/2014/main" xmlns="" id="{6820456B-7731-437B-921D-E51C5B316D0B}"/>
+                <a16:creationId xmlns="" xmlns:a16="http://schemas.microsoft.com/office/drawing/2014/main" id="{6820456B-7731-437B-921D-E51C5B316D0B}"/>
               </a:ext>
             </a:extLst>
           </p:cNvPr>
@@ -1979,7 +1979,7 @@
           <p:cNvPr id="4" name="Нижний колонтитул 3">
             <a:extLst>
               <a:ext uri="{FF2B5EF4-FFF2-40B4-BE49-F238E27FC236}">
-                <a16:creationId xmlns:a16="http://schemas.microsoft.com/office/drawing/2014/main" xmlns="" id="{807413BA-2DB7-42C2-9CF4-430E204052BB}"/>
+                <a16:creationId xmlns="" xmlns:a16="http://schemas.microsoft.com/office/drawing/2014/main" id="{807413BA-2DB7-42C2-9CF4-430E204052BB}"/>
               </a:ext>
             </a:extLst>
           </p:cNvPr>
@@ -2004,7 +2004,7 @@
           <p:cNvPr id="5" name="Номер слайда 4">
             <a:extLst>
               <a:ext uri="{FF2B5EF4-FFF2-40B4-BE49-F238E27FC236}">
-                <a16:creationId xmlns:a16="http://schemas.microsoft.com/office/drawing/2014/main" xmlns="" id="{4103D6E9-6A9B-4F38-B570-18724B4033BC}"/>
+                <a16:creationId xmlns="" xmlns:a16="http://schemas.microsoft.com/office/drawing/2014/main" id="{4103D6E9-6A9B-4F38-B570-18724B4033BC}"/>
               </a:ext>
             </a:extLst>
           </p:cNvPr>
@@ -2063,7 +2063,7 @@
           <p:cNvPr id="2" name="Дата 1">
             <a:extLst>
               <a:ext uri="{FF2B5EF4-FFF2-40B4-BE49-F238E27FC236}">
-                <a16:creationId xmlns:a16="http://schemas.microsoft.com/office/drawing/2014/main" xmlns="" id="{4F31DFE3-CE8B-4FDA-B4CF-2DAA1E13D991}"/>
+                <a16:creationId xmlns="" xmlns:a16="http://schemas.microsoft.com/office/drawing/2014/main" id="{4F31DFE3-CE8B-4FDA-B4CF-2DAA1E13D991}"/>
               </a:ext>
             </a:extLst>
           </p:cNvPr>
@@ -2092,7 +2092,7 @@
           <p:cNvPr id="3" name="Нижний колонтитул 2">
             <a:extLst>
               <a:ext uri="{FF2B5EF4-FFF2-40B4-BE49-F238E27FC236}">
-                <a16:creationId xmlns:a16="http://schemas.microsoft.com/office/drawing/2014/main" xmlns="" id="{66285650-FAB2-4319-8E86-D9467A103ABD}"/>
+                <a16:creationId xmlns="" xmlns:a16="http://schemas.microsoft.com/office/drawing/2014/main" id="{66285650-FAB2-4319-8E86-D9467A103ABD}"/>
               </a:ext>
             </a:extLst>
           </p:cNvPr>
@@ -2117,7 +2117,7 @@
           <p:cNvPr id="4" name="Номер слайда 3">
             <a:extLst>
               <a:ext uri="{FF2B5EF4-FFF2-40B4-BE49-F238E27FC236}">
-                <a16:creationId xmlns:a16="http://schemas.microsoft.com/office/drawing/2014/main" xmlns="" id="{646BCDEE-9C8F-4504-ABA1-137C1C0C8CAE}"/>
+                <a16:creationId xmlns="" xmlns:a16="http://schemas.microsoft.com/office/drawing/2014/main" id="{646BCDEE-9C8F-4504-ABA1-137C1C0C8CAE}"/>
               </a:ext>
             </a:extLst>
           </p:cNvPr>
@@ -2176,7 +2176,7 @@
           <p:cNvPr id="2" name="Заголовок 1">
             <a:extLst>
               <a:ext uri="{FF2B5EF4-FFF2-40B4-BE49-F238E27FC236}">
-                <a16:creationId xmlns:a16="http://schemas.microsoft.com/office/drawing/2014/main" xmlns="" id="{86DA19E5-2C28-4F49-ACCD-69EA7A037345}"/>
+                <a16:creationId xmlns="" xmlns:a16="http://schemas.microsoft.com/office/drawing/2014/main" id="{86DA19E5-2C28-4F49-ACCD-69EA7A037345}"/>
               </a:ext>
             </a:extLst>
           </p:cNvPr>
@@ -2213,7 +2213,7 @@
           <p:cNvPr id="3" name="Объект 2">
             <a:extLst>
               <a:ext uri="{FF2B5EF4-FFF2-40B4-BE49-F238E27FC236}">
-                <a16:creationId xmlns:a16="http://schemas.microsoft.com/office/drawing/2014/main" xmlns="" id="{17657381-F94C-4C55-831B-27515468CC22}"/>
+                <a16:creationId xmlns="" xmlns:a16="http://schemas.microsoft.com/office/drawing/2014/main" id="{17657381-F94C-4C55-831B-27515468CC22}"/>
               </a:ext>
             </a:extLst>
           </p:cNvPr>
@@ -2303,7 +2303,7 @@
           <p:cNvPr id="4" name="Текст 3">
             <a:extLst>
               <a:ext uri="{FF2B5EF4-FFF2-40B4-BE49-F238E27FC236}">
-                <a16:creationId xmlns:a16="http://schemas.microsoft.com/office/drawing/2014/main" xmlns="" id="{A7230ABC-82B0-4202-88D6-49873E441BF3}"/>
+                <a16:creationId xmlns="" xmlns:a16="http://schemas.microsoft.com/office/drawing/2014/main" id="{A7230ABC-82B0-4202-88D6-49873E441BF3}"/>
               </a:ext>
             </a:extLst>
           </p:cNvPr>
@@ -2374,7 +2374,7 @@
           <p:cNvPr id="5" name="Дата 4">
             <a:extLst>
               <a:ext uri="{FF2B5EF4-FFF2-40B4-BE49-F238E27FC236}">
-                <a16:creationId xmlns:a16="http://schemas.microsoft.com/office/drawing/2014/main" xmlns="" id="{E30EF871-9D0F-47FB-96C4-68045F6AB7ED}"/>
+                <a16:creationId xmlns="" xmlns:a16="http://schemas.microsoft.com/office/drawing/2014/main" id="{E30EF871-9D0F-47FB-96C4-68045F6AB7ED}"/>
               </a:ext>
             </a:extLst>
           </p:cNvPr>
@@ -2403,7 +2403,7 @@
           <p:cNvPr id="6" name="Нижний колонтитул 5">
             <a:extLst>
               <a:ext uri="{FF2B5EF4-FFF2-40B4-BE49-F238E27FC236}">
-                <a16:creationId xmlns:a16="http://schemas.microsoft.com/office/drawing/2014/main" xmlns="" id="{D12BAA53-07EF-4EA6-85B3-BF97DCC6E64C}"/>
+                <a16:creationId xmlns="" xmlns:a16="http://schemas.microsoft.com/office/drawing/2014/main" id="{D12BAA53-07EF-4EA6-85B3-BF97DCC6E64C}"/>
               </a:ext>
             </a:extLst>
           </p:cNvPr>
@@ -2428,7 +2428,7 @@
           <p:cNvPr id="7" name="Номер слайда 6">
             <a:extLst>
               <a:ext uri="{FF2B5EF4-FFF2-40B4-BE49-F238E27FC236}">
-                <a16:creationId xmlns:a16="http://schemas.microsoft.com/office/drawing/2014/main" xmlns="" id="{5A242D12-5D3C-4D88-9882-E246E46332F8}"/>
+                <a16:creationId xmlns="" xmlns:a16="http://schemas.microsoft.com/office/drawing/2014/main" id="{5A242D12-5D3C-4D88-9882-E246E46332F8}"/>
               </a:ext>
             </a:extLst>
           </p:cNvPr>
@@ -2487,7 +2487,7 @@
           <p:cNvPr id="2" name="Заголовок 1">
             <a:extLst>
               <a:ext uri="{FF2B5EF4-FFF2-40B4-BE49-F238E27FC236}">
-                <a16:creationId xmlns:a16="http://schemas.microsoft.com/office/drawing/2014/main" xmlns="" id="{366B46B6-E524-4151-B426-D6047CD2B420}"/>
+                <a16:creationId xmlns="" xmlns:a16="http://schemas.microsoft.com/office/drawing/2014/main" id="{366B46B6-E524-4151-B426-D6047CD2B420}"/>
               </a:ext>
             </a:extLst>
           </p:cNvPr>
@@ -2524,7 +2524,7 @@
           <p:cNvPr id="3" name="Рисунок 2">
             <a:extLst>
               <a:ext uri="{FF2B5EF4-FFF2-40B4-BE49-F238E27FC236}">
-                <a16:creationId xmlns:a16="http://schemas.microsoft.com/office/drawing/2014/main" xmlns="" id="{FF5F7B91-934E-4975-9582-458C37193681}"/>
+                <a16:creationId xmlns="" xmlns:a16="http://schemas.microsoft.com/office/drawing/2014/main" id="{FF5F7B91-934E-4975-9582-458C37193681}"/>
               </a:ext>
             </a:extLst>
           </p:cNvPr>
@@ -2591,7 +2591,7 @@
           <p:cNvPr id="4" name="Текст 3">
             <a:extLst>
               <a:ext uri="{FF2B5EF4-FFF2-40B4-BE49-F238E27FC236}">
-                <a16:creationId xmlns:a16="http://schemas.microsoft.com/office/drawing/2014/main" xmlns="" id="{1C267514-D5B4-401B-8A6B-0AD1ECC7886F}"/>
+                <a16:creationId xmlns="" xmlns:a16="http://schemas.microsoft.com/office/drawing/2014/main" id="{1C267514-D5B4-401B-8A6B-0AD1ECC7886F}"/>
               </a:ext>
             </a:extLst>
           </p:cNvPr>
@@ -2662,7 +2662,7 @@
           <p:cNvPr id="5" name="Дата 4">
             <a:extLst>
               <a:ext uri="{FF2B5EF4-FFF2-40B4-BE49-F238E27FC236}">
-                <a16:creationId xmlns:a16="http://schemas.microsoft.com/office/drawing/2014/main" xmlns="" id="{1587AAC4-5FCC-45B6-ADD1-4C6BCBE27785}"/>
+                <a16:creationId xmlns="" xmlns:a16="http://schemas.microsoft.com/office/drawing/2014/main" id="{1587AAC4-5FCC-45B6-ADD1-4C6BCBE27785}"/>
               </a:ext>
             </a:extLst>
           </p:cNvPr>
@@ -2691,7 +2691,7 @@
           <p:cNvPr id="6" name="Нижний колонтитул 5">
             <a:extLst>
               <a:ext uri="{FF2B5EF4-FFF2-40B4-BE49-F238E27FC236}">
-                <a16:creationId xmlns:a16="http://schemas.microsoft.com/office/drawing/2014/main" xmlns="" id="{D50FF8A2-1F76-4E76-BC18-D57CD78837EA}"/>
+                <a16:creationId xmlns="" xmlns:a16="http://schemas.microsoft.com/office/drawing/2014/main" id="{D50FF8A2-1F76-4E76-BC18-D57CD78837EA}"/>
               </a:ext>
             </a:extLst>
           </p:cNvPr>
@@ -2716,7 +2716,7 @@
           <p:cNvPr id="7" name="Номер слайда 6">
             <a:extLst>
               <a:ext uri="{FF2B5EF4-FFF2-40B4-BE49-F238E27FC236}">
-                <a16:creationId xmlns:a16="http://schemas.microsoft.com/office/drawing/2014/main" xmlns="" id="{ACEFBDA5-CC37-4017-BA29-AF59E7096494}"/>
+                <a16:creationId xmlns="" xmlns:a16="http://schemas.microsoft.com/office/drawing/2014/main" id="{ACEFBDA5-CC37-4017-BA29-AF59E7096494}"/>
               </a:ext>
             </a:extLst>
           </p:cNvPr>
@@ -2780,7 +2780,7 @@
           <p:cNvPr id="2" name="Заголовок 1">
             <a:extLst>
               <a:ext uri="{FF2B5EF4-FFF2-40B4-BE49-F238E27FC236}">
-                <a16:creationId xmlns:a16="http://schemas.microsoft.com/office/drawing/2014/main" xmlns="" id="{98B452FF-3D99-4086-9F73-12ED693F8D0D}"/>
+                <a16:creationId xmlns="" xmlns:a16="http://schemas.microsoft.com/office/drawing/2014/main" id="{98B452FF-3D99-4086-9F73-12ED693F8D0D}"/>
               </a:ext>
             </a:extLst>
           </p:cNvPr>
@@ -2818,7 +2818,7 @@
           <p:cNvPr id="3" name="Текст 2">
             <a:extLst>
               <a:ext uri="{FF2B5EF4-FFF2-40B4-BE49-F238E27FC236}">
-                <a16:creationId xmlns:a16="http://schemas.microsoft.com/office/drawing/2014/main" xmlns="" id="{B8885EA1-D1D0-43CA-A513-DDF0FE00BC18}"/>
+                <a16:creationId xmlns="" xmlns:a16="http://schemas.microsoft.com/office/drawing/2014/main" id="{B8885EA1-D1D0-43CA-A513-DDF0FE00BC18}"/>
               </a:ext>
             </a:extLst>
           </p:cNvPr>
@@ -2885,7 +2885,7 @@
           <p:cNvPr id="4" name="Дата 3">
             <a:extLst>
               <a:ext uri="{FF2B5EF4-FFF2-40B4-BE49-F238E27FC236}">
-                <a16:creationId xmlns:a16="http://schemas.microsoft.com/office/drawing/2014/main" xmlns="" id="{926625D6-5AE2-4DDF-AC8C-3DE3D97B91F7}"/>
+                <a16:creationId xmlns="" xmlns:a16="http://schemas.microsoft.com/office/drawing/2014/main" id="{926625D6-5AE2-4DDF-AC8C-3DE3D97B91F7}"/>
               </a:ext>
             </a:extLst>
           </p:cNvPr>
@@ -2932,7 +2932,7 @@
           <p:cNvPr id="5" name="Нижний колонтитул 4">
             <a:extLst>
               <a:ext uri="{FF2B5EF4-FFF2-40B4-BE49-F238E27FC236}">
-                <a16:creationId xmlns:a16="http://schemas.microsoft.com/office/drawing/2014/main" xmlns="" id="{FE4695EB-00C8-4199-BB47-40507374BED7}"/>
+                <a16:creationId xmlns="" xmlns:a16="http://schemas.microsoft.com/office/drawing/2014/main" id="{FE4695EB-00C8-4199-BB47-40507374BED7}"/>
               </a:ext>
             </a:extLst>
           </p:cNvPr>
@@ -2975,7 +2975,7 @@
           <p:cNvPr id="6" name="Номер слайда 5">
             <a:extLst>
               <a:ext uri="{FF2B5EF4-FFF2-40B4-BE49-F238E27FC236}">
-                <a16:creationId xmlns:a16="http://schemas.microsoft.com/office/drawing/2014/main" xmlns="" id="{C3481455-7510-44FA-8A5D-39720E45579A}"/>
+                <a16:creationId xmlns="" xmlns:a16="http://schemas.microsoft.com/office/drawing/2014/main" id="{C3481455-7510-44FA-8A5D-39720E45579A}"/>
               </a:ext>
             </a:extLst>
           </p:cNvPr>
@@ -3343,7 +3343,7 @@
           <p:cNvPr id="2" name="Заголовок 1">
             <a:extLst>
               <a:ext uri="{FF2B5EF4-FFF2-40B4-BE49-F238E27FC236}">
-                <a16:creationId xmlns:a16="http://schemas.microsoft.com/office/drawing/2014/main" xmlns="" id="{4E81E40C-F480-4D18-9723-989DE7DB498B}"/>
+                <a16:creationId xmlns="" xmlns:a16="http://schemas.microsoft.com/office/drawing/2014/main" id="{4E81E40C-F480-4D18-9723-989DE7DB498B}"/>
               </a:ext>
             </a:extLst>
           </p:cNvPr>
@@ -3378,7 +3378,7 @@
           <p:cNvPr id="3" name="Подзаголовок 2">
             <a:extLst>
               <a:ext uri="{FF2B5EF4-FFF2-40B4-BE49-F238E27FC236}">
-                <a16:creationId xmlns:a16="http://schemas.microsoft.com/office/drawing/2014/main" xmlns="" id="{CCDAE7D0-2C2E-4C0C-B1C8-082EA413EC5B}"/>
+                <a16:creationId xmlns="" xmlns:a16="http://schemas.microsoft.com/office/drawing/2014/main" id="{CCDAE7D0-2C2E-4C0C-B1C8-082EA413EC5B}"/>
               </a:ext>
             </a:extLst>
           </p:cNvPr>
@@ -3441,7 +3441,7 @@
           <p:cNvPr id="4" name="TextBox 3">
             <a:extLst>
               <a:ext uri="{FF2B5EF4-FFF2-40B4-BE49-F238E27FC236}">
-                <a16:creationId xmlns:a16="http://schemas.microsoft.com/office/drawing/2014/main" xmlns="" id="{3A276C30-901F-497B-8585-A099A6FC676E}"/>
+                <a16:creationId xmlns="" xmlns:a16="http://schemas.microsoft.com/office/drawing/2014/main" id="{3A276C30-901F-497B-8585-A099A6FC676E}"/>
               </a:ext>
             </a:extLst>
           </p:cNvPr>
@@ -3530,7 +3530,7 @@
           <p:cNvPr id="2" name="TextBox 1">
             <a:extLst>
               <a:ext uri="{FF2B5EF4-FFF2-40B4-BE49-F238E27FC236}">
-                <a16:creationId xmlns:a16="http://schemas.microsoft.com/office/drawing/2014/main" xmlns="" id="{A2479A49-5A6C-436E-87CB-1246E48F9985}"/>
+                <a16:creationId xmlns="" xmlns:a16="http://schemas.microsoft.com/office/drawing/2014/main" id="{A2479A49-5A6C-436E-87CB-1246E48F9985}"/>
               </a:ext>
             </a:extLst>
           </p:cNvPr>
@@ -3563,8 +3563,29 @@
             </a:r>
             <a:r>
               <a:rPr lang="ru-RU" sz="2400" dirty="0"/>
-              <a:t>объединяет совокупность языковых средств для формализации естественного языка, построения и сочетания информационных единиц в ходе общения персонала АИТ со средствами вычислительной техники. С помощью лингвистического обеспечения осуществляется общение человека с машиной. </a:t>
-            </a:r>
+              <a:t>объединяет совокупность языковых средств для формализации естественного языка, построения и сочетания информационных единиц в ходе общения персонала АИТ со средствами вычислительной </a:t>
+            </a:r>
+            <a:r>
+              <a:rPr lang="ru-RU" sz="2400" dirty="0" smtClean="0"/>
+              <a:t>техники</a:t>
+            </a:r>
+            <a:r>
+              <a:rPr lang="en-US" sz="2400" dirty="0"/>
+              <a:t>.</a:t>
+            </a:r>
+            <a:r>
+              <a:rPr lang="ru-RU" sz="2400" dirty="0" smtClean="0"/>
+              <a:t> </a:t>
+            </a:r>
+            <a:r>
+              <a:rPr lang="ru-RU" sz="2400" dirty="0"/>
+              <a:t>С помощью лингвистического обеспечения осуществляется общение человека с </a:t>
+            </a:r>
+            <a:r>
+              <a:rPr lang="ru-RU" sz="2400" dirty="0" smtClean="0"/>
+              <a:t>машиной </a:t>
+            </a:r>
+            <a:endParaRPr lang="ru-RU" sz="2400" dirty="0"/>
           </a:p>
         </p:txBody>
       </p:sp>
@@ -3603,7 +3624,7 @@
           <p:cNvPr id="2" name="TextBox 1">
             <a:extLst>
               <a:ext uri="{FF2B5EF4-FFF2-40B4-BE49-F238E27FC236}">
-                <a16:creationId xmlns:a16="http://schemas.microsoft.com/office/drawing/2014/main" xmlns="" id="{A641B36C-B46D-41DF-8E5F-587F47595503}"/>
+                <a16:creationId xmlns="" xmlns:a16="http://schemas.microsoft.com/office/drawing/2014/main" id="{A641B36C-B46D-41DF-8E5F-587F47595503}"/>
               </a:ext>
             </a:extLst>
           </p:cNvPr>
@@ -3636,7 +3657,15 @@
             </a:r>
             <a:r>
               <a:rPr lang="ru-RU" sz="2400" dirty="0"/>
-              <a:t>как совокупность методов и средств, используемых на разных этапах разработки и функционирования АИТ, предназначено для создания оптимальных условий высокоэффективной и безошибочной деятельности человека в АИТ, для ее быстрейшего освоения. </a:t>
+              <a:t>как совокупность методов и средств, используемых на разных этапах разработки и функционирования АИТ, предназначено для создания оптимальных условий высокоэффективной и безошибочной деятельности человека в АИТ, для ее быстрейшего </a:t>
+            </a:r>
+            <a:r>
+              <a:rPr lang="ru-RU" sz="2400" dirty="0" smtClean="0"/>
+              <a:t>освоения</a:t>
+            </a:r>
+            <a:r>
+              <a:rPr lang="ru-RU" sz="2400" dirty="0"/>
+              <a:t> </a:t>
             </a:r>
           </a:p>
         </p:txBody>
@@ -3676,7 +3705,7 @@
           <p:cNvPr id="2" name="TextBox 1">
             <a:extLst>
               <a:ext uri="{FF2B5EF4-FFF2-40B4-BE49-F238E27FC236}">
-                <a16:creationId xmlns:a16="http://schemas.microsoft.com/office/drawing/2014/main" xmlns="" id="{86F0E221-B13A-4390-8D70-3FB49AE190D0}"/>
+                <a16:creationId xmlns="" xmlns:a16="http://schemas.microsoft.com/office/drawing/2014/main" id="{86F0E221-B13A-4390-8D70-3FB49AE190D0}"/>
               </a:ext>
             </a:extLst>
           </p:cNvPr>
@@ -3724,7 +3753,7 @@
           <p:cNvPr id="10" name="Прямая со стрелкой 9">
             <a:extLst>
               <a:ext uri="{FF2B5EF4-FFF2-40B4-BE49-F238E27FC236}">
-                <a16:creationId xmlns:a16="http://schemas.microsoft.com/office/drawing/2014/main" xmlns="" id="{E4FA617B-12C7-4264-B616-E3A9725A8F20}"/>
+                <a16:creationId xmlns="" xmlns:a16="http://schemas.microsoft.com/office/drawing/2014/main" id="{E4FA617B-12C7-4264-B616-E3A9725A8F20}"/>
               </a:ext>
             </a:extLst>
           </p:cNvPr>
@@ -3765,7 +3794,7 @@
           <p:cNvPr id="12" name="Прямая со стрелкой 11">
             <a:extLst>
               <a:ext uri="{FF2B5EF4-FFF2-40B4-BE49-F238E27FC236}">
-                <a16:creationId xmlns:a16="http://schemas.microsoft.com/office/drawing/2014/main" xmlns="" id="{33101BF8-CF1C-4040-A108-01ED47C9D975}"/>
+                <a16:creationId xmlns="" xmlns:a16="http://schemas.microsoft.com/office/drawing/2014/main" id="{33101BF8-CF1C-4040-A108-01ED47C9D975}"/>
               </a:ext>
             </a:extLst>
           </p:cNvPr>
@@ -3806,7 +3835,7 @@
           <p:cNvPr id="14" name="Прямая со стрелкой 13">
             <a:extLst>
               <a:ext uri="{FF2B5EF4-FFF2-40B4-BE49-F238E27FC236}">
-                <a16:creationId xmlns:a16="http://schemas.microsoft.com/office/drawing/2014/main" xmlns="" id="{DF86F2B1-7A32-4786-B184-47CE8F5E82A7}"/>
+                <a16:creationId xmlns="" xmlns:a16="http://schemas.microsoft.com/office/drawing/2014/main" id="{DF86F2B1-7A32-4786-B184-47CE8F5E82A7}"/>
               </a:ext>
             </a:extLst>
           </p:cNvPr>
@@ -3848,7 +3877,7 @@
           <p:cNvPr id="17" name="Прямая со стрелкой 16">
             <a:extLst>
               <a:ext uri="{FF2B5EF4-FFF2-40B4-BE49-F238E27FC236}">
-                <a16:creationId xmlns:a16="http://schemas.microsoft.com/office/drawing/2014/main" xmlns="" id="{4463F198-56FC-42D1-B26F-0C2A49580CD4}"/>
+                <a16:creationId xmlns="" xmlns:a16="http://schemas.microsoft.com/office/drawing/2014/main" id="{4463F198-56FC-42D1-B26F-0C2A49580CD4}"/>
               </a:ext>
             </a:extLst>
           </p:cNvPr>
@@ -3889,7 +3918,7 @@
           <p:cNvPr id="20" name="Прямая со стрелкой 19">
             <a:extLst>
               <a:ext uri="{FF2B5EF4-FFF2-40B4-BE49-F238E27FC236}">
-                <a16:creationId xmlns:a16="http://schemas.microsoft.com/office/drawing/2014/main" xmlns="" id="{B8B16AE5-639B-4A74-8AEA-F27769012227}"/>
+                <a16:creationId xmlns="" xmlns:a16="http://schemas.microsoft.com/office/drawing/2014/main" id="{B8B16AE5-639B-4A74-8AEA-F27769012227}"/>
               </a:ext>
             </a:extLst>
           </p:cNvPr>
@@ -3930,7 +3959,7 @@
           <p:cNvPr id="22" name="TextBox 21">
             <a:extLst>
               <a:ext uri="{FF2B5EF4-FFF2-40B4-BE49-F238E27FC236}">
-                <a16:creationId xmlns:a16="http://schemas.microsoft.com/office/drawing/2014/main" xmlns="" id="{1C6FD096-7B07-4C11-B868-5E7BC8C693A8}"/>
+                <a16:creationId xmlns="" xmlns:a16="http://schemas.microsoft.com/office/drawing/2014/main" id="{1C6FD096-7B07-4C11-B868-5E7BC8C693A8}"/>
               </a:ext>
             </a:extLst>
           </p:cNvPr>
@@ -3962,56 +3991,10 @@
       </p:sp>
       <p:sp>
         <p:nvSpPr>
-          <p:cNvPr id="23" name="Прямоугольник 22">
-            <a:extLst>
-              <a:ext uri="{FF2B5EF4-FFF2-40B4-BE49-F238E27FC236}">
-                <a16:creationId xmlns:a16="http://schemas.microsoft.com/office/drawing/2014/main" xmlns="" id="{3473B730-551D-4A29-9172-E5262F85BF69}"/>
-              </a:ext>
-            </a:extLst>
-          </p:cNvPr>
-          <p:cNvSpPr/>
-          <p:nvPr/>
-        </p:nvSpPr>
-        <p:spPr>
-          <a:xfrm>
-            <a:off x="7157156" y="2540000"/>
-            <a:ext cx="45719" cy="45719"/>
-          </a:xfrm>
-          <a:prstGeom prst="rect">
-            <a:avLst/>
-          </a:prstGeom>
-        </p:spPr>
-        <p:style>
-          <a:lnRef idx="2">
-            <a:schemeClr val="accent1">
-              <a:shade val="50000"/>
-            </a:schemeClr>
-          </a:lnRef>
-          <a:fillRef idx="1">
-            <a:schemeClr val="accent1"/>
-          </a:fillRef>
-          <a:effectRef idx="0">
-            <a:schemeClr val="accent1"/>
-          </a:effectRef>
-          <a:fontRef idx="minor">
-            <a:schemeClr val="lt1"/>
-          </a:fontRef>
-        </p:style>
-        <p:txBody>
-          <a:bodyPr rtlCol="0" anchor="ctr"/>
-          <a:lstStyle/>
-          <a:p>
-            <a:pPr algn="ctr"/>
-            <a:endParaRPr lang="ru-RU"/>
-          </a:p>
-        </p:txBody>
-      </p:sp>
-      <p:sp>
-        <p:nvSpPr>
           <p:cNvPr id="24" name="TextBox 23">
             <a:extLst>
               <a:ext uri="{FF2B5EF4-FFF2-40B4-BE49-F238E27FC236}">
-                <a16:creationId xmlns:a16="http://schemas.microsoft.com/office/drawing/2014/main" xmlns="" id="{CA74DD6A-FF88-48A4-B1AB-93F4DA6C663E}"/>
+                <a16:creationId xmlns="" xmlns:a16="http://schemas.microsoft.com/office/drawing/2014/main" id="{CA74DD6A-FF88-48A4-B1AB-93F4DA6C663E}"/>
               </a:ext>
             </a:extLst>
           </p:cNvPr>
@@ -4046,7 +4029,7 @@
           <p:cNvPr id="25" name="TextBox 24">
             <a:extLst>
               <a:ext uri="{FF2B5EF4-FFF2-40B4-BE49-F238E27FC236}">
-                <a16:creationId xmlns:a16="http://schemas.microsoft.com/office/drawing/2014/main" xmlns="" id="{EAF28F00-7E0C-4E37-AA41-B15B1E8FEB63}"/>
+                <a16:creationId xmlns="" xmlns:a16="http://schemas.microsoft.com/office/drawing/2014/main" id="{EAF28F00-7E0C-4E37-AA41-B15B1E8FEB63}"/>
               </a:ext>
             </a:extLst>
           </p:cNvPr>
@@ -4081,7 +4064,7 @@
           <p:cNvPr id="26" name="TextBox 25">
             <a:extLst>
               <a:ext uri="{FF2B5EF4-FFF2-40B4-BE49-F238E27FC236}">
-                <a16:creationId xmlns:a16="http://schemas.microsoft.com/office/drawing/2014/main" xmlns="" id="{92B63BAE-7AF0-48EF-B9BC-462EBDE09E0A}"/>
+                <a16:creationId xmlns="" xmlns:a16="http://schemas.microsoft.com/office/drawing/2014/main" id="{92B63BAE-7AF0-48EF-B9BC-462EBDE09E0A}"/>
               </a:ext>
             </a:extLst>
           </p:cNvPr>
@@ -4116,7 +4099,7 @@
           <p:cNvPr id="27" name="TextBox 26">
             <a:extLst>
               <a:ext uri="{FF2B5EF4-FFF2-40B4-BE49-F238E27FC236}">
-                <a16:creationId xmlns:a16="http://schemas.microsoft.com/office/drawing/2014/main" xmlns="" id="{22338BA2-5610-43DF-AEE4-58688AE95302}"/>
+                <a16:creationId xmlns="" xmlns:a16="http://schemas.microsoft.com/office/drawing/2014/main" id="{22338BA2-5610-43DF-AEE4-58688AE95302}"/>
               </a:ext>
             </a:extLst>
           </p:cNvPr>
@@ -4181,7 +4164,7 @@
           <p:cNvPr id="2" name="TextBox 1">
             <a:extLst>
               <a:ext uri="{FF2B5EF4-FFF2-40B4-BE49-F238E27FC236}">
-                <a16:creationId xmlns:a16="http://schemas.microsoft.com/office/drawing/2014/main" xmlns="" id="{50976C34-4D03-4A9D-A7B5-1E5BF788F371}"/>
+                <a16:creationId xmlns="" xmlns:a16="http://schemas.microsoft.com/office/drawing/2014/main" id="{50976C34-4D03-4A9D-A7B5-1E5BF788F371}"/>
               </a:ext>
             </a:extLst>
           </p:cNvPr>
@@ -4216,7 +4199,7 @@
           <p:cNvPr id="3" name="TextBox 2">
             <a:extLst>
               <a:ext uri="{FF2B5EF4-FFF2-40B4-BE49-F238E27FC236}">
-                <a16:creationId xmlns:a16="http://schemas.microsoft.com/office/drawing/2014/main" xmlns="" id="{4C33AFF5-2F02-48C6-ABD8-FC38A0CEFDD3}"/>
+                <a16:creationId xmlns="" xmlns:a16="http://schemas.microsoft.com/office/drawing/2014/main" id="{4C33AFF5-2F02-48C6-ABD8-FC38A0CEFDD3}"/>
               </a:ext>
             </a:extLst>
           </p:cNvPr>
@@ -4295,7 +4278,7 @@
           <p:cNvPr id="2" name="TextBox 1">
             <a:extLst>
               <a:ext uri="{FF2B5EF4-FFF2-40B4-BE49-F238E27FC236}">
-                <a16:creationId xmlns:a16="http://schemas.microsoft.com/office/drawing/2014/main" xmlns="" id="{632FDDBE-3942-4E9B-8509-BF377452894D}"/>
+                <a16:creationId xmlns="" xmlns:a16="http://schemas.microsoft.com/office/drawing/2014/main" id="{632FDDBE-3942-4E9B-8509-BF377452894D}"/>
               </a:ext>
             </a:extLst>
           </p:cNvPr>
@@ -4368,7 +4351,7 @@
           <p:cNvPr id="2" name="TextBox 1">
             <a:extLst>
               <a:ext uri="{FF2B5EF4-FFF2-40B4-BE49-F238E27FC236}">
-                <a16:creationId xmlns:a16="http://schemas.microsoft.com/office/drawing/2014/main" xmlns="" id="{D7EC6A5B-8F2B-4BF4-B68D-22A2B6625339}"/>
+                <a16:creationId xmlns="" xmlns:a16="http://schemas.microsoft.com/office/drawing/2014/main" id="{D7EC6A5B-8F2B-4BF4-B68D-22A2B6625339}"/>
               </a:ext>
             </a:extLst>
           </p:cNvPr>
@@ -4471,8 +4454,13 @@
             </a:r>
             <a:r>
               <a:rPr lang="ru-RU" sz="2400" dirty="0"/>
-              <a:t>это аппаратные средства и средства коммуникации, обеспечивающих работу ИТ. </a:t>
-            </a:r>
+              <a:t>это аппаратные средства и средства коммуникации, обеспечивающих работу </a:t>
+            </a:r>
+            <a:r>
+              <a:rPr lang="ru-RU" sz="2400" dirty="0" smtClean="0"/>
+              <a:t>ИТ </a:t>
+            </a:r>
+            <a:endParaRPr lang="ru-RU" sz="2400" dirty="0"/>
           </a:p>
           <a:p>
             <a:endParaRPr lang="ru-RU" dirty="0"/>
@@ -4521,7 +4509,7 @@
           <p:cNvPr id="2" name="TextBox 1">
             <a:extLst>
               <a:ext uri="{FF2B5EF4-FFF2-40B4-BE49-F238E27FC236}">
-                <a16:creationId xmlns:a16="http://schemas.microsoft.com/office/drawing/2014/main" xmlns="" id="{861BF7AE-F711-4DD4-ADEE-5C6EA260D257}"/>
+                <a16:creationId xmlns="" xmlns:a16="http://schemas.microsoft.com/office/drawing/2014/main" id="{861BF7AE-F711-4DD4-ADEE-5C6EA260D257}"/>
               </a:ext>
             </a:extLst>
           </p:cNvPr>
@@ -4554,8 +4542,13 @@
             </a:r>
             <a:r>
               <a:rPr lang="ru-RU" sz="2400" dirty="0"/>
-              <a:t>– это программа или множество программ, которые непосредственно реализуют функции накопления, обработки, хранения, отображения, поиска и анализа данных, обеспечивает взаимодействия пользователя с ЭВМ.  </a:t>
-            </a:r>
+              <a:t>– это программа или множество программ, которые непосредственно реализуют функции накопления, обработки, хранения, отображения, поиска и анализа данных, обеспечивает взаимодействия пользователя с </a:t>
+            </a:r>
+            <a:r>
+              <a:rPr lang="ru-RU" sz="2400" dirty="0" smtClean="0"/>
+              <a:t>ЭВМ  </a:t>
+            </a:r>
+            <a:endParaRPr lang="ru-RU" sz="2400" dirty="0"/>
           </a:p>
           <a:p>
             <a:endParaRPr lang="ru-RU" dirty="0"/>
@@ -4604,7 +4597,7 @@
           <p:cNvPr id="2" name="TextBox 1">
             <a:extLst>
               <a:ext uri="{FF2B5EF4-FFF2-40B4-BE49-F238E27FC236}">
-                <a16:creationId xmlns:a16="http://schemas.microsoft.com/office/drawing/2014/main" xmlns="" id="{3C96D8C8-370F-4262-9CA2-F1821A174908}"/>
+                <a16:creationId xmlns="" xmlns:a16="http://schemas.microsoft.com/office/drawing/2014/main" id="{3C96D8C8-370F-4262-9CA2-F1821A174908}"/>
               </a:ext>
             </a:extLst>
           </p:cNvPr>
@@ -4633,8 +4626,13 @@
             </a:r>
             <a:r>
               <a:rPr lang="ru-RU" sz="2400" dirty="0"/>
-              <a:t>– это совокупность проектных решений по видам, объемам, способам размещения и формам организации информации, циркулирующей в информационной системе. </a:t>
-            </a:r>
+              <a:t>– это совокупность проектных решений по видам, объемам, способам размещения и формам организации информации, циркулирующей в информационной </a:t>
+            </a:r>
+            <a:r>
+              <a:rPr lang="ru-RU" sz="2400" dirty="0" smtClean="0"/>
+              <a:t>системе </a:t>
+            </a:r>
+            <a:endParaRPr lang="ru-RU" sz="2400" dirty="0"/>
           </a:p>
         </p:txBody>
       </p:sp>
@@ -4673,7 +4671,7 @@
           <p:cNvPr id="2" name="TextBox 1">
             <a:extLst>
               <a:ext uri="{FF2B5EF4-FFF2-40B4-BE49-F238E27FC236}">
-                <a16:creationId xmlns:a16="http://schemas.microsoft.com/office/drawing/2014/main" xmlns="" id="{683B9990-47D0-438C-BA92-0FA1052C00A7}"/>
+                <a16:creationId xmlns="" xmlns:a16="http://schemas.microsoft.com/office/drawing/2014/main" id="{683B9990-47D0-438C-BA92-0FA1052C00A7}"/>
               </a:ext>
             </a:extLst>
           </p:cNvPr>
@@ -4706,8 +4704,13 @@
             </a:r>
             <a:r>
               <a:rPr lang="ru-RU" sz="2400" dirty="0"/>
-              <a:t>это комплекс нормативно-методических и инструктивных материалов для организации и работы специалистов-пользователей и технического персонала.</a:t>
-            </a:r>
+              <a:t>это комплекс нормативно-методических и инструктивных материалов для организации и работы специалистов-пользователей и технического </a:t>
+            </a:r>
+            <a:r>
+              <a:rPr lang="ru-RU" sz="2400" dirty="0" smtClean="0"/>
+              <a:t>персонала</a:t>
+            </a:r>
+            <a:endParaRPr lang="ru-RU" sz="2400" dirty="0"/>
           </a:p>
         </p:txBody>
       </p:sp>
@@ -4746,7 +4749,7 @@
           <p:cNvPr id="2" name="TextBox 1">
             <a:extLst>
               <a:ext uri="{FF2B5EF4-FFF2-40B4-BE49-F238E27FC236}">
-                <a16:creationId xmlns:a16="http://schemas.microsoft.com/office/drawing/2014/main" xmlns="" id="{4ADE6B86-609C-4169-870E-8B671D5AA6DB}"/>
+                <a16:creationId xmlns="" xmlns:a16="http://schemas.microsoft.com/office/drawing/2014/main" id="{4ADE6B86-609C-4169-870E-8B671D5AA6DB}"/>
               </a:ext>
             </a:extLst>
           </p:cNvPr>
@@ -4788,10 +4791,6 @@
             <a:r>
               <a:rPr lang="ru-RU" sz="2400" dirty="0" smtClean="0"/>
               <a:t>АИТ</a:t>
-            </a:r>
-            <a:r>
-              <a:rPr lang="en-US" sz="2400" dirty="0" smtClean="0"/>
-              <a:t>.</a:t>
             </a:r>
             <a:endParaRPr lang="ru-RU" sz="2400" dirty="0"/>
           </a:p>
@@ -4832,7 +4831,7 @@
           <p:cNvPr id="2" name="TextBox 1">
             <a:extLst>
               <a:ext uri="{FF2B5EF4-FFF2-40B4-BE49-F238E27FC236}">
-                <a16:creationId xmlns:a16="http://schemas.microsoft.com/office/drawing/2014/main" xmlns="" id="{62EE0605-F518-47EF-9D83-BF191C7CCD3C}"/>
+                <a16:creationId xmlns="" xmlns:a16="http://schemas.microsoft.com/office/drawing/2014/main" id="{62EE0605-F518-47EF-9D83-BF191C7CCD3C}"/>
               </a:ext>
             </a:extLst>
           </p:cNvPr>
@@ -4865,8 +4864,13 @@
             </a:r>
             <a:r>
               <a:rPr lang="ru-RU" sz="2400" dirty="0"/>
-              <a:t>представляет собой совокупность правовых норм, регламентирующих правоотношения при создании и внедрении АИС и АИТ. </a:t>
-            </a:r>
+              <a:t>представляет собой совокупность правовых норм, регламентирующих правоотношения при создании и внедрении АИС и </a:t>
+            </a:r>
+            <a:r>
+              <a:rPr lang="ru-RU" sz="2400" dirty="0" smtClean="0"/>
+              <a:t>АИТ </a:t>
+            </a:r>
+            <a:endParaRPr lang="ru-RU" sz="2400" dirty="0"/>
           </a:p>
         </p:txBody>
       </p:sp>
@@ -5172,7 +5176,7 @@
   <a:extraClrSchemeLst/>
   <a:extLst>
     <a:ext uri="{05A4C25C-085E-4340-85A3-A5531E510DB2}">
-      <thm15:themeFamily xmlns:thm15="http://schemas.microsoft.com/office/thememl/2012/main" xmlns="" name="Office Theme" id="{62F939B6-93AF-4DB8-9C6B-D6C7DFDC589F}" vid="{4A3C46E8-61CC-4603-A589-7422A47A8E4A}"/>
+      <thm15:themeFamily xmlns="" xmlns:thm15="http://schemas.microsoft.com/office/thememl/2012/main" name="Office Theme" id="{62F939B6-93AF-4DB8-9C6B-D6C7DFDC589F}" vid="{4A3C46E8-61CC-4603-A589-7422A47A8E4A}"/>
     </a:ext>
   </a:extLst>
 </a:theme>
